--- a/assets/Steps_Slide32.pptx
+++ b/assets/Steps_Slide32.pptx
@@ -270,7 +270,7 @@
           <a:p>
             <a:fld id="{747FE99C-B6B2-4F84-BF3A-0009E28C1CAC}" type="datetimeFigureOut">
               <a:rPr lang="de-DE" smtClean="0"/>
-              <a:t>23.01.2025</a:t>
+              <a:t>27.01.2025</a:t>
             </a:fld>
             <a:endParaRPr lang="de-DE"/>
           </a:p>
@@ -468,7 +468,7 @@
           <a:p>
             <a:fld id="{747FE99C-B6B2-4F84-BF3A-0009E28C1CAC}" type="datetimeFigureOut">
               <a:rPr lang="de-DE" smtClean="0"/>
-              <a:t>23.01.2025</a:t>
+              <a:t>27.01.2025</a:t>
             </a:fld>
             <a:endParaRPr lang="de-DE"/>
           </a:p>
@@ -676,7 +676,7 @@
           <a:p>
             <a:fld id="{747FE99C-B6B2-4F84-BF3A-0009E28C1CAC}" type="datetimeFigureOut">
               <a:rPr lang="de-DE" smtClean="0"/>
-              <a:t>23.01.2025</a:t>
+              <a:t>27.01.2025</a:t>
             </a:fld>
             <a:endParaRPr lang="de-DE"/>
           </a:p>
@@ -874,7 +874,7 @@
           <a:p>
             <a:fld id="{747FE99C-B6B2-4F84-BF3A-0009E28C1CAC}" type="datetimeFigureOut">
               <a:rPr lang="de-DE" smtClean="0"/>
-              <a:t>23.01.2025</a:t>
+              <a:t>27.01.2025</a:t>
             </a:fld>
             <a:endParaRPr lang="de-DE"/>
           </a:p>
@@ -1149,7 +1149,7 @@
           <a:p>
             <a:fld id="{747FE99C-B6B2-4F84-BF3A-0009E28C1CAC}" type="datetimeFigureOut">
               <a:rPr lang="de-DE" smtClean="0"/>
-              <a:t>23.01.2025</a:t>
+              <a:t>27.01.2025</a:t>
             </a:fld>
             <a:endParaRPr lang="de-DE"/>
           </a:p>
@@ -1414,7 +1414,7 @@
           <a:p>
             <a:fld id="{747FE99C-B6B2-4F84-BF3A-0009E28C1CAC}" type="datetimeFigureOut">
               <a:rPr lang="de-DE" smtClean="0"/>
-              <a:t>23.01.2025</a:t>
+              <a:t>27.01.2025</a:t>
             </a:fld>
             <a:endParaRPr lang="de-DE"/>
           </a:p>
@@ -1826,7 +1826,7 @@
           <a:p>
             <a:fld id="{747FE99C-B6B2-4F84-BF3A-0009E28C1CAC}" type="datetimeFigureOut">
               <a:rPr lang="de-DE" smtClean="0"/>
-              <a:t>23.01.2025</a:t>
+              <a:t>27.01.2025</a:t>
             </a:fld>
             <a:endParaRPr lang="de-DE"/>
           </a:p>
@@ -1967,7 +1967,7 @@
           <a:p>
             <a:fld id="{747FE99C-B6B2-4F84-BF3A-0009E28C1CAC}" type="datetimeFigureOut">
               <a:rPr lang="de-DE" smtClean="0"/>
-              <a:t>23.01.2025</a:t>
+              <a:t>27.01.2025</a:t>
             </a:fld>
             <a:endParaRPr lang="de-DE"/>
           </a:p>
@@ -2080,7 +2080,7 @@
           <a:p>
             <a:fld id="{747FE99C-B6B2-4F84-BF3A-0009E28C1CAC}" type="datetimeFigureOut">
               <a:rPr lang="de-DE" smtClean="0"/>
-              <a:t>23.01.2025</a:t>
+              <a:t>27.01.2025</a:t>
             </a:fld>
             <a:endParaRPr lang="de-DE"/>
           </a:p>
@@ -2391,7 +2391,7 @@
           <a:p>
             <a:fld id="{747FE99C-B6B2-4F84-BF3A-0009E28C1CAC}" type="datetimeFigureOut">
               <a:rPr lang="de-DE" smtClean="0"/>
-              <a:t>23.01.2025</a:t>
+              <a:t>27.01.2025</a:t>
             </a:fld>
             <a:endParaRPr lang="de-DE"/>
           </a:p>
@@ -2679,7 +2679,7 @@
           <a:p>
             <a:fld id="{747FE99C-B6B2-4F84-BF3A-0009E28C1CAC}" type="datetimeFigureOut">
               <a:rPr lang="de-DE" smtClean="0"/>
-              <a:t>23.01.2025</a:t>
+              <a:t>27.01.2025</a:t>
             </a:fld>
             <a:endParaRPr lang="de-DE"/>
           </a:p>
@@ -2920,7 +2920,7 @@
           <a:p>
             <a:fld id="{747FE99C-B6B2-4F84-BF3A-0009E28C1CAC}" type="datetimeFigureOut">
               <a:rPr lang="de-DE" smtClean="0"/>
-              <a:t>23.01.2025</a:t>
+              <a:t>27.01.2025</a:t>
             </a:fld>
             <a:endParaRPr lang="de-DE"/>
           </a:p>
@@ -3326,7 +3326,7 @@
     <p:bg>
       <p:bgPr>
         <a:solidFill>
-          <a:schemeClr val="bg2"/>
+          <a:schemeClr val="bg1"/>
         </a:solidFill>
         <a:effectLst/>
       </p:bgPr>
@@ -3359,8 +3359,8 @@
         </p:nvSpPr>
         <p:spPr>
           <a:xfrm>
-            <a:off x="5082746" y="2529016"/>
-            <a:ext cx="2026508" cy="1458098"/>
+            <a:off x="4981575" y="2529016"/>
+            <a:ext cx="2247900" cy="1458098"/>
           </a:xfrm>
           <a:prstGeom prst="ellipse">
             <a:avLst/>
@@ -3408,14 +3408,14 @@
           <a:p>
             <a:pPr algn="ctr"/>
             <a:r>
-              <a:rPr lang="de-DE" dirty="0"/>
+              <a:rPr lang="de-DE" sz="2200" dirty="0"/>
               <a:t>ITO</a:t>
             </a:r>
           </a:p>
           <a:p>
             <a:pPr algn="ctr"/>
             <a:r>
-              <a:rPr lang="de-DE" dirty="0"/>
+              <a:rPr lang="de-DE" sz="2200" dirty="0"/>
               <a:t>DECISIONS</a:t>
             </a:r>
           </a:p>
@@ -3435,11 +3435,18 @@
         </p:nvSpPr>
         <p:spPr>
           <a:xfrm>
-            <a:off x="8114271" y="486032"/>
-            <a:ext cx="3253946" cy="1861752"/>
+            <a:off x="8114270" y="988197"/>
+            <a:ext cx="3830079" cy="1707376"/>
           </a:xfrm>
           <a:prstGeom prst="accentBorderCallout2">
-            <a:avLst/>
+            <a:avLst>
+              <a:gd name="adj1" fmla="val 18750"/>
+              <a:gd name="adj2" fmla="val -8333"/>
+              <a:gd name="adj3" fmla="val 18750"/>
+              <a:gd name="adj4" fmla="val -16667"/>
+              <a:gd name="adj5" fmla="val 86838"/>
+              <a:gd name="adj6" fmla="val -38958"/>
+            </a:avLst>
           </a:prstGeom>
           <a:solidFill>
             <a:srgbClr val="683A5F"/>
@@ -3470,11 +3477,11 @@
               <a:buChar char="⟩"/>
             </a:pPr>
             <a:r>
-              <a:rPr lang="de-DE" sz="1400" dirty="0" err="1"/>
+              <a:rPr lang="de-DE" dirty="0" err="1"/>
               <a:t>Uncertainty</a:t>
             </a:r>
             <a:r>
-              <a:rPr lang="de-DE" sz="1400" dirty="0"/>
+              <a:rPr lang="de-DE" dirty="0"/>
               <a:t> (-)</a:t>
             </a:r>
           </a:p>
@@ -3484,16 +3491,24 @@
               <a:buChar char="⟩"/>
             </a:pPr>
             <a:r>
-              <a:rPr lang="de-DE" sz="1400" dirty="0"/>
+              <a:rPr lang="de-DE" dirty="0"/>
               <a:t>Critical </a:t>
             </a:r>
             <a:r>
-              <a:rPr lang="de-DE" sz="1400" dirty="0" err="1"/>
+              <a:rPr lang="de-DE" dirty="0" err="1"/>
               <a:t>Role</a:t>
             </a:r>
             <a:r>
-              <a:rPr lang="de-DE" sz="1400" dirty="0"/>
-              <a:t> of IS – Transaction (-)</a:t>
+              <a:rPr lang="de-DE" dirty="0"/>
+              <a:t> </a:t>
+            </a:r>
+            <a:r>
+              <a:rPr lang="de-DE" dirty="0" err="1"/>
+              <a:t>of</a:t>
+            </a:r>
+            <a:r>
+              <a:rPr lang="de-DE" dirty="0"/>
+              <a:t> IS – Transaction (-)</a:t>
             </a:r>
           </a:p>
           <a:p>
@@ -3502,7 +3517,7 @@
               <a:buChar char="⟩"/>
             </a:pPr>
             <a:r>
-              <a:rPr lang="de-DE" sz="1400" dirty="0"/>
+              <a:rPr lang="de-DE" dirty="0"/>
               <a:t>Transaction Costs (- -)</a:t>
             </a:r>
           </a:p>
@@ -3512,7 +3527,7 @@
               <a:buChar char="⟩"/>
             </a:pPr>
             <a:r>
-              <a:rPr lang="de-DE" sz="1400" dirty="0"/>
+              <a:rPr lang="de-DE" dirty="0"/>
               <a:t>Business Risk (-)</a:t>
             </a:r>
           </a:p>
@@ -3532,8 +3547,8 @@
         </p:nvSpPr>
         <p:spPr>
           <a:xfrm>
-            <a:off x="8386119" y="359031"/>
-            <a:ext cx="2734962" cy="307777"/>
+            <a:off x="8648827" y="511063"/>
+            <a:ext cx="2734962" cy="769441"/>
           </a:xfrm>
           <a:prstGeom prst="rect">
             <a:avLst/>
@@ -3564,7 +3579,7 @@
           <a:p>
             <a:pPr algn="ctr"/>
             <a:r>
-              <a:rPr lang="de-DE" sz="1400" dirty="0"/>
+              <a:rPr lang="de-DE" sz="2200" dirty="0"/>
               <a:t>TRANSACTION ATTRIBUTES:</a:t>
             </a:r>
           </a:p>
@@ -3584,8 +3599,8 @@
         </p:nvSpPr>
         <p:spPr>
           <a:xfrm flipH="1">
-            <a:off x="823783" y="501018"/>
-            <a:ext cx="3389100" cy="2566031"/>
+            <a:off x="329125" y="1067910"/>
+            <a:ext cx="4210052" cy="2877411"/>
           </a:xfrm>
           <a:prstGeom prst="accentBorderCallout2">
             <a:avLst>
@@ -3593,8 +3608,8 @@
               <a:gd name="adj2" fmla="val -8333"/>
               <a:gd name="adj3" fmla="val 18750"/>
               <a:gd name="adj4" fmla="val -16667"/>
-              <a:gd name="adj5" fmla="val 80020"/>
-              <a:gd name="adj6" fmla="val -42100"/>
+              <a:gd name="adj5" fmla="val 48241"/>
+              <a:gd name="adj6" fmla="val -26715"/>
             </a:avLst>
           </a:prstGeom>
           <a:solidFill>
@@ -3626,7 +3641,7 @@
               <a:buChar char="⟩"/>
             </a:pPr>
             <a:r>
-              <a:rPr lang="de-DE" sz="1400" dirty="0"/>
+              <a:rPr lang="de-DE" dirty="0"/>
               <a:t>Cost Reduction (+ +)</a:t>
             </a:r>
           </a:p>
@@ -3636,7 +3651,7 @@
               <a:buChar char="⟩"/>
             </a:pPr>
             <a:r>
-              <a:rPr lang="de-DE" sz="1400" dirty="0"/>
+              <a:rPr lang="de-DE" dirty="0"/>
               <a:t>Focus on Core Capabilities (+ +)</a:t>
             </a:r>
           </a:p>
@@ -3646,7 +3661,7 @@
               <a:buChar char="⟩"/>
             </a:pPr>
             <a:r>
-              <a:rPr lang="de-DE" sz="1400" dirty="0"/>
+              <a:rPr lang="de-DE" dirty="0"/>
               <a:t>Access to Skills/Expertise (+ +)</a:t>
             </a:r>
           </a:p>
@@ -3656,7 +3671,7 @@
               <a:buChar char="⟩"/>
             </a:pPr>
             <a:r>
-              <a:rPr lang="de-DE" sz="1400" dirty="0"/>
+              <a:rPr lang="de-DE" dirty="0"/>
               <a:t>Business/Process Improvements (+ +)</a:t>
             </a:r>
           </a:p>
@@ -3666,7 +3681,7 @@
               <a:buChar char="⟩"/>
             </a:pPr>
             <a:r>
-              <a:rPr lang="de-DE" sz="1400" dirty="0"/>
+              <a:rPr lang="de-DE" dirty="0"/>
               <a:t>Technical Reasons (+ +)</a:t>
             </a:r>
           </a:p>
@@ -3676,7 +3691,7 @@
               <a:buChar char="⟩"/>
             </a:pPr>
             <a:r>
-              <a:rPr lang="de-DE" sz="1400" dirty="0"/>
+              <a:rPr lang="de-DE" dirty="0"/>
               <a:t>Political Reasons (+)</a:t>
             </a:r>
           </a:p>
@@ -3686,7 +3701,7 @@
               <a:buChar char="⟩"/>
             </a:pPr>
             <a:r>
-              <a:rPr lang="de-DE" sz="1400" dirty="0"/>
+              <a:rPr lang="de-DE" dirty="0"/>
               <a:t>Concern for Security (-)</a:t>
             </a:r>
           </a:p>
@@ -3696,7 +3711,7 @@
               <a:buChar char="⟩"/>
             </a:pPr>
             <a:r>
-              <a:rPr lang="de-DE" sz="1400" dirty="0"/>
+              <a:rPr lang="de-DE" dirty="0"/>
               <a:t>Fear of Losing Control (- -)</a:t>
             </a:r>
           </a:p>
@@ -3716,8 +3731,8 @@
         </p:nvSpPr>
         <p:spPr>
           <a:xfrm>
-            <a:off x="1144546" y="348677"/>
-            <a:ext cx="2734962" cy="307777"/>
+            <a:off x="1066670" y="513012"/>
+            <a:ext cx="2734962" cy="769441"/>
           </a:xfrm>
           <a:prstGeom prst="rect">
             <a:avLst/>
@@ -3748,7 +3763,7 @@
           <a:p>
             <a:pPr algn="ctr"/>
             <a:r>
-              <a:rPr lang="de-DE" sz="1400" dirty="0"/>
+              <a:rPr lang="de-DE" sz="2200" dirty="0"/>
               <a:t>MOTIVATIONS TO OUTSOURCE:</a:t>
             </a:r>
           </a:p>
@@ -3768,8 +3783,8 @@
         </p:nvSpPr>
         <p:spPr>
           <a:xfrm flipH="1">
-            <a:off x="823783" y="4457074"/>
-            <a:ext cx="3389100" cy="781102"/>
+            <a:off x="557083" y="4942849"/>
+            <a:ext cx="3389100" cy="1017418"/>
           </a:xfrm>
           <a:prstGeom prst="accentBorderCallout2">
             <a:avLst>
@@ -3777,8 +3792,8 @@
               <a:gd name="adj2" fmla="val -8708"/>
               <a:gd name="adj3" fmla="val 84084"/>
               <a:gd name="adj4" fmla="val -17416"/>
-              <a:gd name="adj5" fmla="val -61793"/>
-              <a:gd name="adj6" fmla="val -41351"/>
+              <a:gd name="adj5" fmla="val -90815"/>
+              <a:gd name="adj6" fmla="val -48939"/>
             </a:avLst>
           </a:prstGeom>
           <a:solidFill>
@@ -3810,7 +3825,7 @@
               <a:buChar char="⟩"/>
             </a:pPr>
             <a:r>
-              <a:rPr lang="de-DE" sz="1400" dirty="0"/>
+              <a:rPr lang="de-DE" dirty="0"/>
               <a:t>Prior IS Department Performance (-)</a:t>
             </a:r>
           </a:p>
@@ -3830,8 +3845,8 @@
         </p:nvSpPr>
         <p:spPr>
           <a:xfrm>
-            <a:off x="1111850" y="4284709"/>
-            <a:ext cx="2796233" cy="307777"/>
+            <a:off x="845150" y="4351384"/>
+            <a:ext cx="2796233" cy="769441"/>
           </a:xfrm>
           <a:prstGeom prst="rect">
             <a:avLst/>
@@ -3862,7 +3877,7 @@
           <a:p>
             <a:pPr algn="ctr"/>
             <a:r>
-              <a:rPr lang="de-DE" sz="1400" dirty="0"/>
+              <a:rPr lang="de-DE" sz="2200" dirty="0"/>
               <a:t>CLIENT FIRM CHARACTERISTICS:</a:t>
             </a:r>
           </a:p>
@@ -3882,7 +3897,7 @@
         </p:nvSpPr>
         <p:spPr>
           <a:xfrm>
-            <a:off x="8114271" y="4431675"/>
+            <a:off x="8389335" y="3653713"/>
             <a:ext cx="3253946" cy="781102"/>
           </a:xfrm>
           <a:prstGeom prst="accentBorderCallout2">
@@ -3891,8 +3906,8 @@
               <a:gd name="adj2" fmla="val -8708"/>
               <a:gd name="adj3" fmla="val 82458"/>
               <a:gd name="adj4" fmla="val -19493"/>
-              <a:gd name="adj5" fmla="val -58540"/>
-              <a:gd name="adj6" fmla="val -46378"/>
+              <a:gd name="adj5" fmla="val 17065"/>
+              <a:gd name="adj6" fmla="val -45500"/>
             </a:avLst>
           </a:prstGeom>
           <a:solidFill>
@@ -3924,11 +3939,11 @@
               <a:buChar char="⟩"/>
             </a:pPr>
             <a:r>
-              <a:rPr lang="de-DE" sz="1400" dirty="0" err="1"/>
+              <a:rPr lang="de-DE" dirty="0" err="1"/>
               <a:t>Mimetic</a:t>
             </a:r>
             <a:r>
-              <a:rPr lang="de-DE" sz="1400" dirty="0"/>
+              <a:rPr lang="de-DE" dirty="0"/>
               <a:t> (+ +)</a:t>
             </a:r>
           </a:p>
@@ -3948,8 +3963,8 @@
         </p:nvSpPr>
         <p:spPr>
           <a:xfrm>
-            <a:off x="8373763" y="4284709"/>
-            <a:ext cx="2734962" cy="307777"/>
+            <a:off x="8648827" y="3044279"/>
+            <a:ext cx="2734962" cy="769441"/>
           </a:xfrm>
           <a:prstGeom prst="rect">
             <a:avLst/>
@@ -3980,7 +3995,7 @@
           <a:p>
             <a:pPr algn="ctr"/>
             <a:r>
-              <a:rPr lang="de-DE" sz="1400" dirty="0"/>
+              <a:rPr lang="de-DE" sz="2200" dirty="0"/>
               <a:t>INFLUENCE SOURCES:</a:t>
             </a:r>
           </a:p>
@@ -4000,8 +4015,8 @@
         </p:nvSpPr>
         <p:spPr>
           <a:xfrm>
-            <a:off x="3901904" y="5660714"/>
-            <a:ext cx="4388192" cy="1015663"/>
+            <a:off x="5648327" y="5221603"/>
+            <a:ext cx="6410322" cy="1477328"/>
           </a:xfrm>
           <a:prstGeom prst="rect">
             <a:avLst/>
@@ -4015,7 +4030,7 @@
           <a:lstStyle/>
           <a:p>
             <a:r>
-              <a:rPr lang="de-DE" sz="1200" b="1" u="sng" dirty="0"/>
+              <a:rPr lang="de-DE" b="1" u="sng" dirty="0"/>
               <a:t>LEGEND:</a:t>
             </a:r>
           </a:p>
@@ -4026,58 +4041,54 @@
               </a:tabLst>
             </a:pPr>
             <a:r>
-              <a:rPr lang="de-DE" sz="1200" dirty="0"/>
-              <a:t>(+ +)</a:t>
-            </a:r>
-            <a:r>
-              <a:rPr lang="de-DE" sz="800" dirty="0"/>
+              <a:rPr lang="de-DE" dirty="0"/>
+              <a:t>(+ +) </a:t>
+            </a:r>
+            <a:r>
+              <a:rPr lang="de-DE" dirty="0" err="1"/>
+              <a:t>more</a:t>
+            </a:r>
+            <a:r>
+              <a:rPr lang="de-DE" dirty="0"/>
               <a:t> </a:t>
             </a:r>
             <a:r>
-              <a:rPr lang="de-DE" sz="1200" dirty="0" err="1"/>
-              <a:t>more</a:t>
-            </a:r>
-            <a:r>
-              <a:rPr lang="de-DE" sz="1200" dirty="0"/>
+              <a:rPr lang="de-DE" dirty="0" err="1"/>
+              <a:t>than</a:t>
+            </a:r>
+            <a:r>
+              <a:rPr lang="de-DE" dirty="0"/>
+              <a:t> 80 % of </a:t>
+            </a:r>
+            <a:r>
+              <a:rPr lang="de-DE" dirty="0" err="1"/>
+              <a:t>the</a:t>
+            </a:r>
+            <a:r>
+              <a:rPr lang="de-DE" dirty="0"/>
               <a:t> </a:t>
             </a:r>
             <a:r>
-              <a:rPr lang="de-DE" sz="1200" dirty="0" err="1"/>
-              <a:t>than</a:t>
-            </a:r>
-            <a:r>
-              <a:rPr lang="de-DE" sz="1200" dirty="0"/>
-              <a:t> 80 % of </a:t>
-            </a:r>
-            <a:r>
-              <a:rPr lang="de-DE" sz="1200" dirty="0" err="1"/>
-              <a:t>the</a:t>
-            </a:r>
-            <a:r>
-              <a:rPr lang="de-DE" sz="1200" dirty="0"/>
+              <a:rPr lang="de-DE" dirty="0" err="1"/>
+              <a:t>evidence</a:t>
+            </a:r>
+            <a:r>
+              <a:rPr lang="de-DE" dirty="0"/>
               <a:t> </a:t>
             </a:r>
             <a:r>
-              <a:rPr lang="de-DE" sz="1200" dirty="0" err="1"/>
-              <a:t>evidence</a:t>
-            </a:r>
-            <a:r>
-              <a:rPr lang="de-DE" sz="1200" dirty="0"/>
-              <a:t> </a:t>
-            </a:r>
-            <a:r>
-              <a:rPr lang="de-DE" sz="1200" dirty="0" err="1"/>
+              <a:rPr lang="de-DE" dirty="0" err="1"/>
               <a:t>is</a:t>
             </a:r>
             <a:r>
-              <a:rPr lang="de-DE" sz="1200" dirty="0"/>
+              <a:rPr lang="de-DE" dirty="0"/>
               <a:t> positive and </a:t>
             </a:r>
             <a:r>
-              <a:rPr lang="de-DE" sz="1200" dirty="0" err="1"/>
+              <a:rPr lang="de-DE" dirty="0" err="1"/>
               <a:t>significant</a:t>
             </a:r>
-            <a:endParaRPr lang="de-DE" sz="1200" dirty="0"/>
+            <a:endParaRPr lang="de-DE" dirty="0"/>
           </a:p>
           <a:p>
             <a:pPr>
@@ -4087,145 +4098,125 @@
               </a:tabLst>
             </a:pPr>
             <a:r>
-              <a:rPr lang="de-DE" sz="1200" dirty="0"/>
-              <a:t>(+)   </a:t>
-            </a:r>
-            <a:r>
-              <a:rPr lang="de-DE" sz="400" dirty="0"/>
+              <a:rPr lang="de-DE" dirty="0"/>
+              <a:t>(+)    60 % to 80 % of </a:t>
+            </a:r>
+            <a:r>
+              <a:rPr lang="de-DE" dirty="0" err="1"/>
+              <a:t>the</a:t>
+            </a:r>
+            <a:r>
+              <a:rPr lang="de-DE" dirty="0"/>
               <a:t> </a:t>
             </a:r>
             <a:r>
-              <a:rPr lang="de-DE" sz="1200" dirty="0"/>
-              <a:t>60 % to 80 % of </a:t>
-            </a:r>
-            <a:r>
-              <a:rPr lang="de-DE" sz="1200" dirty="0" err="1"/>
+              <a:rPr lang="de-DE" dirty="0" err="1"/>
+              <a:t>evidence</a:t>
+            </a:r>
+            <a:r>
+              <a:rPr lang="de-DE" dirty="0"/>
+              <a:t> </a:t>
+            </a:r>
+            <a:r>
+              <a:rPr lang="de-DE" dirty="0" err="1"/>
+              <a:t>is</a:t>
+            </a:r>
+            <a:r>
+              <a:rPr lang="de-DE" dirty="0"/>
+              <a:t> positive and </a:t>
+            </a:r>
+            <a:r>
+              <a:rPr lang="de-DE" dirty="0" err="1"/>
+              <a:t>significant</a:t>
+            </a:r>
+            <a:endParaRPr lang="de-DE" dirty="0"/>
+          </a:p>
+          <a:p>
+            <a:pPr marL="266700" indent="-266700"/>
+            <a:r>
+              <a:rPr lang="de-DE" dirty="0"/>
+              <a:t>(- -)   </a:t>
+            </a:r>
+            <a:r>
+              <a:rPr lang="de-DE" dirty="0" err="1"/>
+              <a:t>more</a:t>
+            </a:r>
+            <a:r>
+              <a:rPr lang="de-DE" dirty="0"/>
+              <a:t> </a:t>
+            </a:r>
+            <a:r>
+              <a:rPr lang="de-DE" dirty="0" err="1"/>
+              <a:t>than</a:t>
+            </a:r>
+            <a:r>
+              <a:rPr lang="de-DE" dirty="0"/>
+              <a:t> 80 % of </a:t>
+            </a:r>
+            <a:r>
+              <a:rPr lang="de-DE" dirty="0" err="1"/>
               <a:t>the</a:t>
             </a:r>
             <a:r>
-              <a:rPr lang="de-DE" sz="1200" dirty="0"/>
+              <a:rPr lang="de-DE" dirty="0"/>
               <a:t> </a:t>
             </a:r>
             <a:r>
-              <a:rPr lang="de-DE" sz="1200" dirty="0" err="1"/>
+              <a:rPr lang="de-DE" dirty="0" err="1"/>
               <a:t>evidence</a:t>
             </a:r>
             <a:r>
-              <a:rPr lang="de-DE" sz="1200" dirty="0"/>
+              <a:rPr lang="de-DE" dirty="0"/>
               <a:t> </a:t>
             </a:r>
             <a:r>
-              <a:rPr lang="de-DE" sz="1200" dirty="0" err="1"/>
+              <a:rPr lang="de-DE" dirty="0" err="1"/>
               <a:t>is</a:t>
             </a:r>
             <a:r>
-              <a:rPr lang="de-DE" sz="1200" dirty="0"/>
-              <a:t> positive and </a:t>
-            </a:r>
-            <a:r>
-              <a:rPr lang="de-DE" sz="1200" dirty="0" err="1"/>
+              <a:rPr lang="de-DE" dirty="0"/>
+              <a:t> negative and </a:t>
+            </a:r>
+            <a:r>
+              <a:rPr lang="de-DE" dirty="0" err="1"/>
               <a:t>significant</a:t>
             </a:r>
-            <a:endParaRPr lang="de-DE" sz="1200" dirty="0"/>
-          </a:p>
-          <a:p>
-            <a:pPr marL="266700" indent="-266700"/>
-            <a:r>
-              <a:rPr lang="de-DE" sz="1200" dirty="0"/>
-              <a:t>(- -)  </a:t>
-            </a:r>
-            <a:r>
-              <a:rPr lang="de-DE" sz="700" dirty="0"/>
+            <a:endParaRPr lang="de-DE" dirty="0"/>
+          </a:p>
+          <a:p>
+            <a:r>
+              <a:rPr lang="de-DE" dirty="0"/>
+              <a:t>(-)     60 % to 80 of </a:t>
+            </a:r>
+            <a:r>
+              <a:rPr lang="de-DE" dirty="0" err="1"/>
+              <a:t>the</a:t>
+            </a:r>
+            <a:r>
+              <a:rPr lang="de-DE" dirty="0"/>
               <a:t> </a:t>
             </a:r>
             <a:r>
-              <a:rPr lang="de-DE" sz="1200" dirty="0" err="1"/>
-              <a:t>more</a:t>
-            </a:r>
-            <a:r>
-              <a:rPr lang="de-DE" sz="1200" dirty="0"/>
+              <a:rPr lang="de-DE" dirty="0" err="1"/>
+              <a:t>evidence</a:t>
+            </a:r>
+            <a:r>
+              <a:rPr lang="de-DE" dirty="0"/>
               <a:t> </a:t>
             </a:r>
             <a:r>
-              <a:rPr lang="de-DE" sz="1200" dirty="0" err="1"/>
-              <a:t>than</a:t>
-            </a:r>
-            <a:r>
-              <a:rPr lang="de-DE" sz="1200" dirty="0"/>
-              <a:t> 80 % of </a:t>
-            </a:r>
-            <a:r>
-              <a:rPr lang="de-DE" sz="1200" dirty="0" err="1"/>
-              <a:t>the</a:t>
-            </a:r>
-            <a:r>
-              <a:rPr lang="de-DE" sz="1200" dirty="0"/>
-              <a:t> </a:t>
-            </a:r>
-            <a:r>
-              <a:rPr lang="de-DE" sz="1200" dirty="0" err="1"/>
-              <a:t>evidence</a:t>
-            </a:r>
-            <a:r>
-              <a:rPr lang="de-DE" sz="1200" dirty="0"/>
-              <a:t> </a:t>
-            </a:r>
-            <a:r>
-              <a:rPr lang="de-DE" sz="1200" dirty="0" err="1"/>
+              <a:rPr lang="de-DE" dirty="0" err="1"/>
               <a:t>is</a:t>
             </a:r>
             <a:r>
-              <a:rPr lang="de-DE" sz="1200" dirty="0"/>
+              <a:rPr lang="de-DE" dirty="0"/>
               <a:t> negative and </a:t>
             </a:r>
             <a:r>
-              <a:rPr lang="de-DE" sz="1200" dirty="0" err="1"/>
+              <a:rPr lang="de-DE" dirty="0" err="1"/>
               <a:t>significant</a:t>
             </a:r>
-            <a:endParaRPr lang="de-DE" sz="1200" dirty="0"/>
-          </a:p>
-          <a:p>
-            <a:r>
-              <a:rPr lang="de-DE" sz="1200" dirty="0"/>
-              <a:t>(-)   </a:t>
-            </a:r>
-            <a:r>
-              <a:rPr lang="de-DE" sz="800" dirty="0"/>
-              <a:t>  </a:t>
-            </a:r>
-            <a:r>
-              <a:rPr lang="de-DE" sz="1200" dirty="0"/>
-              <a:t>60 % to 80 of </a:t>
-            </a:r>
-            <a:r>
-              <a:rPr lang="de-DE" sz="1200" dirty="0" err="1"/>
-              <a:t>the</a:t>
-            </a:r>
-            <a:r>
-              <a:rPr lang="de-DE" sz="1200" dirty="0"/>
-              <a:t> </a:t>
-            </a:r>
-            <a:r>
-              <a:rPr lang="de-DE" sz="1200" dirty="0" err="1"/>
-              <a:t>evidence</a:t>
-            </a:r>
-            <a:r>
-              <a:rPr lang="de-DE" sz="1200" dirty="0"/>
-              <a:t> </a:t>
-            </a:r>
-            <a:r>
-              <a:rPr lang="de-DE" sz="1200" dirty="0" err="1"/>
-              <a:t>is</a:t>
-            </a:r>
-            <a:r>
-              <a:rPr lang="de-DE" sz="1200" dirty="0"/>
-              <a:t> negative and </a:t>
-            </a:r>
-            <a:r>
-              <a:rPr lang="de-DE" sz="1200" dirty="0" err="1"/>
-              <a:t>significant</a:t>
-            </a:r>
-            <a:endParaRPr lang="de-DE" sz="1200" dirty="0"/>
+            <a:endParaRPr lang="de-DE" dirty="0"/>
           </a:p>
         </p:txBody>
       </p:sp>
@@ -4245,8 +4236,8 @@
         </p:nvCxnSpPr>
         <p:spPr>
           <a:xfrm>
-            <a:off x="3837873" y="5474494"/>
-            <a:ext cx="0" cy="1170133"/>
+            <a:off x="5579782" y="4942849"/>
+            <a:ext cx="0" cy="1756082"/>
           </a:xfrm>
           <a:prstGeom prst="line">
             <a:avLst/>
@@ -4291,8 +4282,8 @@
         </p:nvCxnSpPr>
         <p:spPr>
           <a:xfrm flipH="1">
-            <a:off x="3664744" y="5628966"/>
-            <a:ext cx="4449527" cy="0"/>
+            <a:off x="5381625" y="5150644"/>
+            <a:ext cx="4647684" cy="0"/>
           </a:xfrm>
           <a:prstGeom prst="line">
             <a:avLst/>
